--- a/Advanced Level - Back-end/Databases/Presentation/3. Data-Modeling-and-ER-Diagrams.pptx
+++ b/Advanced Level - Back-end/Databases/Presentation/3. Data-Modeling-and-ER-Diagrams.pptx
@@ -276,7 +276,7 @@
             <a:fld id="{FE5B4EDC-59C0-49C7-8ADA-5A781B329E02}" type="datetimeFigureOut">
               <a:rPr lang="en-US"/>
               <a:pPr/>
-              <a:t>10-02-2015</a:t>
+              <a:t>6/19/2015</a:t>
             </a:fld>
             <a:endParaRPr dirty="0"/>
           </a:p>
@@ -475,7 +475,7 @@
             <a:fld id="{F2D8D46A-B586-417D-BFBD-8C8FE0AAF762}" type="datetimeFigureOut">
               <a:rPr lang="en-US" smtClean="0"/>
               <a:pPr/>
-              <a:t>10-02-2015</a:t>
+              <a:t>6/19/2015</a:t>
             </a:fld>
             <a:endParaRPr lang="en-US"/>
           </a:p>
@@ -2123,7 +2123,7 @@
             <a:fld id="{055373AC-9AA7-423B-BA00-BA1C74164DBD}" type="datetime1">
               <a:rPr lang="en-US" smtClean="0"/>
               <a:pPr/>
-              <a:t>10-02-2015</a:t>
+              <a:t>6/19/2015</a:t>
             </a:fld>
             <a:endParaRPr lang="en-US" dirty="0"/>
           </a:p>
@@ -3576,7 +3576,7 @@
             <a:fld id="{055373AC-9AA7-423B-BA00-BA1C74164DBD}" type="datetime1">
               <a:rPr lang="en-US" smtClean="0"/>
               <a:pPr/>
-              <a:t>10-02-2015</a:t>
+              <a:t>6/19/2015</a:t>
             </a:fld>
             <a:endParaRPr lang="en-US" dirty="0"/>
           </a:p>
@@ -10005,19 +10005,57 @@
           <a:p>
             <a:pPr lvl="1"/>
             <a:r>
+              <a:rPr lang="en-US" b="1" dirty="0" smtClean="0">
+                <a:solidFill>
+                  <a:schemeClr val="tx2">
+                    <a:lumMod val="75000"/>
+                  </a:schemeClr>
+                </a:solidFill>
+              </a:rPr>
+              <a:t>Identity</a:t>
+            </a:r>
+            <a:r>
               <a:rPr lang="en-US" dirty="0" smtClean="0">
+                <a:solidFill>
+                  <a:schemeClr val="tx2">
+                    <a:lumMod val="75000"/>
+                  </a:schemeClr>
+                </a:solidFill>
+              </a:rPr>
+              <a:t> </a:t>
+            </a:r>
+            <a:r>
+              <a:rPr lang="en-US" dirty="0" smtClean="0"/>
+              <a:t>means that the values in a certain column</a:t>
+            </a:r>
+            <a:r>
+              <a:rPr lang="bg-BG" dirty="0" smtClean="0"/>
+              <a:t> </a:t>
+            </a:r>
+            <a:r>
+              <a:rPr lang="en-US" dirty="0" smtClean="0"/>
+              <a:t>are auto generated</a:t>
+            </a:r>
+            <a:r>
+              <a:rPr lang="bg-BG" dirty="0" smtClean="0"/>
+              <a:t> </a:t>
+            </a:r>
+            <a:r>
+              <a:rPr lang="en-US" dirty="0" smtClean="0"/>
+              <a:t>(for </a:t>
+            </a:r>
+            <a:r>
+              <a:rPr lang="en-US" sz="2800" noProof="1">
                 <a:solidFill>
                   <a:schemeClr val="accent5">
                     <a:lumMod val="20000"/>
                     <a:lumOff val="80000"/>
                   </a:schemeClr>
                 </a:solidFill>
-              </a:rPr>
-              <a:t>Identity</a:t>
-            </a:r>
-            <a:r>
-              <a:rPr lang="en-US" dirty="0" smtClean="0"/>
-              <a:t> means that the values in a certain column</a:t>
+                <a:latin typeface="Consolas" pitchFamily="49" charset="0"/>
+                <a:cs typeface="Consolas" pitchFamily="49" charset="0"/>
+              </a:rPr>
+              <a:t>int</a:t>
             </a:r>
             <a:r>
               <a:rPr lang="bg-BG" dirty="0" smtClean="0"/>
@@ -10025,35 +10063,6 @@
             </a:r>
             <a:r>
               <a:rPr lang="en-US" dirty="0" smtClean="0"/>
-              <a:t>are auto generated</a:t>
-            </a:r>
-            <a:r>
-              <a:rPr lang="bg-BG" dirty="0" smtClean="0"/>
-              <a:t> </a:t>
-            </a:r>
-            <a:r>
-              <a:rPr lang="en-US" dirty="0" smtClean="0"/>
-              <a:t>(for </a:t>
-            </a:r>
-            <a:r>
-              <a:rPr lang="en-US" sz="2800" noProof="1">
-                <a:solidFill>
-                  <a:schemeClr val="accent5">
-                    <a:lumMod val="20000"/>
-                    <a:lumOff val="80000"/>
-                  </a:schemeClr>
-                </a:solidFill>
-                <a:latin typeface="Consolas" pitchFamily="49" charset="0"/>
-                <a:cs typeface="Consolas" pitchFamily="49" charset="0"/>
-              </a:rPr>
-              <a:t>int</a:t>
-            </a:r>
-            <a:r>
-              <a:rPr lang="bg-BG" dirty="0" smtClean="0"/>
-              <a:t> </a:t>
-            </a:r>
-            <a:r>
-              <a:rPr lang="en-US" dirty="0" smtClean="0"/>
               <a:t>columns</a:t>
             </a:r>
             <a:r>
@@ -10071,11 +10080,10 @@
           <a:p>
             <a:pPr lvl="1"/>
             <a:r>
-              <a:rPr lang="en-US" dirty="0" smtClean="0">
-                <a:solidFill>
-                  <a:schemeClr val="accent5">
-                    <a:lumMod val="20000"/>
-                    <a:lumOff val="80000"/>
+              <a:rPr lang="en-US" b="1" dirty="0" smtClean="0">
+                <a:solidFill>
+                  <a:schemeClr val="tx2">
+                    <a:lumMod val="75000"/>
                   </a:schemeClr>
                 </a:solidFill>
               </a:rPr>
@@ -10093,33 +10101,30 @@
           <a:p>
             <a:pPr lvl="1"/>
             <a:r>
-              <a:rPr lang="en-US" dirty="0" smtClean="0">
-                <a:solidFill>
-                  <a:schemeClr val="accent5">
-                    <a:lumMod val="20000"/>
-                    <a:lumOff val="80000"/>
+              <a:rPr lang="en-US" b="1" dirty="0" smtClean="0">
+                <a:solidFill>
+                  <a:schemeClr val="tx2">
+                    <a:lumMod val="75000"/>
                   </a:schemeClr>
                 </a:solidFill>
               </a:rPr>
               <a:t>Identity</a:t>
             </a:r>
             <a:r>
-              <a:rPr lang="bg-BG" dirty="0" smtClean="0">
-                <a:solidFill>
-                  <a:schemeClr val="accent5">
-                    <a:lumMod val="20000"/>
-                    <a:lumOff val="80000"/>
+              <a:rPr lang="bg-BG" b="1" dirty="0" smtClean="0">
+                <a:solidFill>
+                  <a:schemeClr val="tx2">
+                    <a:lumMod val="75000"/>
                   </a:schemeClr>
                 </a:solidFill>
               </a:rPr>
               <a:t> </a:t>
             </a:r>
             <a:r>
-              <a:rPr lang="en-US" dirty="0" smtClean="0">
-                <a:solidFill>
-                  <a:schemeClr val="accent5">
-                    <a:lumMod val="20000"/>
-                    <a:lumOff val="80000"/>
+              <a:rPr lang="en-US" b="1" dirty="0" smtClean="0">
+                <a:solidFill>
+                  <a:schemeClr val="tx2">
+                    <a:lumMod val="75000"/>
                   </a:schemeClr>
                 </a:solidFill>
               </a:rPr>
